--- a/評価項目ヒアリング.pptx
+++ b/評価項目ヒアリング.pptx
@@ -122,6 +122,11 @@
       </a:defRPr>
     </a:lvl9pPr>
   </p:defaultTextStyle>
+  <p:extLst>
+    <p:ext uri="{EFAFB233-063F-42B5-8137-9DF3F51BA10A}">
+      <p15:sldGuideLst xmlns:p15="http://schemas.microsoft.com/office/powerpoint/2012/main"/>
+    </p:ext>
+  </p:extLst>
 </p:presentation>
 </file>
 
@@ -847,7 +852,7 @@
           <a:p>
             <a:fld id="{9F44F08D-B1E2-C543-BEC7-807DB8AC502B}" type="datetimeFigureOut">
               <a:rPr kumimoji="1" lang="ja-JP" altLang="en-US" smtClean="0"/>
-              <a:t>2021/5/17</a:t>
+              <a:t>2021/5/25</a:t>
             </a:fld>
             <a:endParaRPr kumimoji="1" lang="ja-JP" altLang="en-US"/>
           </a:p>
@@ -1135,7 +1140,7 @@
           <a:p>
             <a:fld id="{9F44F08D-B1E2-C543-BEC7-807DB8AC502B}" type="datetimeFigureOut">
               <a:rPr kumimoji="1" lang="ja-JP" altLang="en-US" smtClean="0"/>
-              <a:t>2021/5/17</a:t>
+              <a:t>2021/5/25</a:t>
             </a:fld>
             <a:endParaRPr kumimoji="1" lang="ja-JP" altLang="en-US"/>
           </a:p>
@@ -1523,7 +1528,7 @@
           <a:p>
             <a:fld id="{9F44F08D-B1E2-C543-BEC7-807DB8AC502B}" type="datetimeFigureOut">
               <a:rPr kumimoji="1" lang="ja-JP" altLang="en-US" smtClean="0"/>
-              <a:t>2021/5/17</a:t>
+              <a:t>2021/5/25</a:t>
             </a:fld>
             <a:endParaRPr kumimoji="1" lang="ja-JP" altLang="en-US"/>
           </a:p>
@@ -1901,7 +1906,7 @@
           <a:p>
             <a:fld id="{9F44F08D-B1E2-C543-BEC7-807DB8AC502B}" type="datetimeFigureOut">
               <a:rPr kumimoji="1" lang="ja-JP" altLang="en-US" smtClean="0"/>
-              <a:t>2021/5/17</a:t>
+              <a:t>2021/5/25</a:t>
             </a:fld>
             <a:endParaRPr kumimoji="1" lang="ja-JP" altLang="en-US"/>
           </a:p>
@@ -2289,7 +2294,7 @@
           <a:p>
             <a:fld id="{9F44F08D-B1E2-C543-BEC7-807DB8AC502B}" type="datetimeFigureOut">
               <a:rPr kumimoji="1" lang="ja-JP" altLang="en-US" smtClean="0"/>
-              <a:t>2021/5/17</a:t>
+              <a:t>2021/5/25</a:t>
             </a:fld>
             <a:endParaRPr kumimoji="1" lang="ja-JP" altLang="en-US"/>
           </a:p>
@@ -2756,7 +2761,7 @@
           <a:p>
             <a:fld id="{9F44F08D-B1E2-C543-BEC7-807DB8AC502B}" type="datetimeFigureOut">
               <a:rPr kumimoji="1" lang="ja-JP" altLang="en-US" smtClean="0"/>
-              <a:t>2021/5/17</a:t>
+              <a:t>2021/5/25</a:t>
             </a:fld>
             <a:endParaRPr kumimoji="1" lang="ja-JP" altLang="en-US"/>
           </a:p>
@@ -2934,7 +2939,7 @@
           <a:p>
             <a:fld id="{9F44F08D-B1E2-C543-BEC7-807DB8AC502B}" type="datetimeFigureOut">
               <a:rPr kumimoji="1" lang="ja-JP" altLang="en-US" smtClean="0"/>
-              <a:t>2021/5/17</a:t>
+              <a:t>2021/5/25</a:t>
             </a:fld>
             <a:endParaRPr kumimoji="1" lang="ja-JP" altLang="en-US"/>
           </a:p>
@@ -3122,7 +3127,7 @@
           <a:p>
             <a:fld id="{9F44F08D-B1E2-C543-BEC7-807DB8AC502B}" type="datetimeFigureOut">
               <a:rPr kumimoji="1" lang="ja-JP" altLang="en-US" smtClean="0"/>
-              <a:t>2021/5/17</a:t>
+              <a:t>2021/5/25</a:t>
             </a:fld>
             <a:endParaRPr kumimoji="1" lang="ja-JP" altLang="en-US"/>
           </a:p>
@@ -3306,7 +3311,7 @@
           <a:p>
             <a:fld id="{9F44F08D-B1E2-C543-BEC7-807DB8AC502B}" type="datetimeFigureOut">
               <a:rPr kumimoji="1" lang="ja-JP" altLang="en-US" smtClean="0"/>
-              <a:t>2021/5/17</a:t>
+              <a:t>2021/5/25</a:t>
             </a:fld>
             <a:endParaRPr kumimoji="1" lang="ja-JP" altLang="en-US"/>
           </a:p>
@@ -3590,7 +3595,7 @@
           <a:p>
             <a:fld id="{9F44F08D-B1E2-C543-BEC7-807DB8AC502B}" type="datetimeFigureOut">
               <a:rPr kumimoji="1" lang="ja-JP" altLang="en-US" smtClean="0"/>
-              <a:t>2021/5/17</a:t>
+              <a:t>2021/5/25</a:t>
             </a:fld>
             <a:endParaRPr kumimoji="1" lang="ja-JP" altLang="en-US"/>
           </a:p>
@@ -3838,7 +3843,7 @@
           <a:p>
             <a:fld id="{9F44F08D-B1E2-C543-BEC7-807DB8AC502B}" type="datetimeFigureOut">
               <a:rPr kumimoji="1" lang="ja-JP" altLang="en-US" smtClean="0"/>
-              <a:t>2021/5/17</a:t>
+              <a:t>2021/5/25</a:t>
             </a:fld>
             <a:endParaRPr kumimoji="1" lang="ja-JP" altLang="en-US"/>
           </a:p>
@@ -4302,7 +4307,7 @@
           <a:p>
             <a:fld id="{9F44F08D-B1E2-C543-BEC7-807DB8AC502B}" type="datetimeFigureOut">
               <a:rPr kumimoji="1" lang="ja-JP" altLang="en-US" smtClean="0"/>
-              <a:t>2021/5/17</a:t>
+              <a:t>2021/5/25</a:t>
             </a:fld>
             <a:endParaRPr kumimoji="1" lang="ja-JP" altLang="en-US"/>
           </a:p>
@@ -4425,7 +4430,7 @@
           <a:p>
             <a:fld id="{9F44F08D-B1E2-C543-BEC7-807DB8AC502B}" type="datetimeFigureOut">
               <a:rPr kumimoji="1" lang="ja-JP" altLang="en-US" smtClean="0"/>
-              <a:t>2021/5/17</a:t>
+              <a:t>2021/5/25</a:t>
             </a:fld>
             <a:endParaRPr kumimoji="1" lang="ja-JP" altLang="en-US"/>
           </a:p>
@@ -4520,7 +4525,7 @@
           <a:p>
             <a:fld id="{9F44F08D-B1E2-C543-BEC7-807DB8AC502B}" type="datetimeFigureOut">
               <a:rPr kumimoji="1" lang="ja-JP" altLang="en-US" smtClean="0"/>
-              <a:t>2021/5/17</a:t>
+              <a:t>2021/5/25</a:t>
             </a:fld>
             <a:endParaRPr kumimoji="1" lang="ja-JP" altLang="en-US"/>
           </a:p>
@@ -4820,7 +4825,7 @@
           <a:p>
             <a:fld id="{9F44F08D-B1E2-C543-BEC7-807DB8AC502B}" type="datetimeFigureOut">
               <a:rPr kumimoji="1" lang="ja-JP" altLang="en-US" smtClean="0"/>
-              <a:t>2021/5/17</a:t>
+              <a:t>2021/5/25</a:t>
             </a:fld>
             <a:endParaRPr kumimoji="1" lang="ja-JP" altLang="en-US"/>
           </a:p>
@@ -5120,7 +5125,7 @@
           <a:p>
             <a:fld id="{9F44F08D-B1E2-C543-BEC7-807DB8AC502B}" type="datetimeFigureOut">
               <a:rPr kumimoji="1" lang="ja-JP" altLang="en-US" smtClean="0"/>
-              <a:t>2021/5/17</a:t>
+              <a:t>2021/5/25</a:t>
             </a:fld>
             <a:endParaRPr kumimoji="1" lang="ja-JP" altLang="en-US"/>
           </a:p>
@@ -5871,7 +5876,7 @@
           <a:p>
             <a:fld id="{9F44F08D-B1E2-C543-BEC7-807DB8AC502B}" type="datetimeFigureOut">
               <a:rPr kumimoji="1" lang="ja-JP" altLang="en-US" smtClean="0"/>
-              <a:t>2021/5/17</a:t>
+              <a:t>2021/5/25</a:t>
             </a:fld>
             <a:endParaRPr kumimoji="1" lang="ja-JP" altLang="en-US"/>
           </a:p>
@@ -6535,7 +6540,7 @@
         <p:spPr/>
         <p:txBody>
           <a:bodyPr>
-            <a:normAutofit/>
+            <a:normAutofit fontScale="92500" lnSpcReduction="10000"/>
           </a:bodyPr>
           <a:lstStyle/>
           <a:p>
@@ -6577,6 +6582,50 @@
             <a:r>
               <a:rPr kumimoji="1" lang="ja-JP" altLang="en-US" sz="2400"/>
               <a:t>許容できる割合はどの程度？</a:t>
+            </a:r>
+            <a:endParaRPr kumimoji="1" lang="en-US" altLang="ja-JP" sz="2400" dirty="0"/>
+          </a:p>
+          <a:p>
+            <a:endParaRPr lang="en-US" altLang="ja-JP" sz="2400" dirty="0"/>
+          </a:p>
+          <a:p>
+            <a:r>
+              <a:rPr lang="en-US" altLang="ja-JP" sz="2400" dirty="0"/>
+              <a:t>3</a:t>
+            </a:r>
+            <a:r>
+              <a:rPr lang="ja-JP" altLang="en-US" sz="2400"/>
+              <a:t>デッキくらい載せる場合は，上層や下層に固める</a:t>
+            </a:r>
+            <a:endParaRPr lang="en-US" altLang="ja-JP" sz="2400" dirty="0"/>
+          </a:p>
+          <a:p>
+            <a:r>
+              <a:rPr lang="ja-JP" altLang="en-US" sz="2400"/>
+              <a:t>最終港のときに，下層</a:t>
+            </a:r>
+            <a:r>
+              <a:rPr lang="en-US" altLang="ja-JP" sz="2400" dirty="0"/>
+              <a:t>2</a:t>
+            </a:r>
+            <a:r>
+              <a:rPr lang="ja-JP" altLang="en-US" sz="2400"/>
+              <a:t>デッキを埋めてる</a:t>
+            </a:r>
+            <a:endParaRPr lang="en-US" altLang="ja-JP" sz="2400" dirty="0"/>
+          </a:p>
+          <a:p>
+            <a:r>
+              <a:rPr lang="ja-JP" altLang="en-US" sz="2400"/>
+              <a:t>理由があるなら，</a:t>
+            </a:r>
+            <a:r>
+              <a:rPr lang="en-US" altLang="ja-JP" sz="2400" dirty="0"/>
+              <a:t>12</a:t>
+            </a:r>
+            <a:r>
+              <a:rPr lang="ja-JP" altLang="en-US" sz="2400"/>
+              <a:t>デッキとかに少し合っても大丈夫</a:t>
             </a:r>
             <a:endParaRPr lang="en-US" altLang="ja-JP" sz="2400" dirty="0"/>
           </a:p>
@@ -6934,7 +6983,7 @@
         <p:spPr/>
         <p:txBody>
           <a:bodyPr>
-            <a:normAutofit/>
+            <a:normAutofit fontScale="92500"/>
           </a:bodyPr>
           <a:lstStyle/>
           <a:p>
@@ -7000,6 +7049,17 @@
               <a:rPr lang="ja-JP" altLang="en-US" sz="2400"/>
               <a:t>ホールドが何個までなら許容できる？</a:t>
             </a:r>
+            <a:endParaRPr lang="en-US" altLang="ja-JP" sz="2400" dirty="0"/>
+          </a:p>
+          <a:p>
+            <a:endParaRPr lang="en-US" altLang="ja-JP" sz="2400" dirty="0"/>
+          </a:p>
+          <a:p>
+            <a:r>
+              <a:rPr lang="ja-JP" altLang="en-US" sz="2400"/>
+              <a:t>これは絶対に守るべき項目</a:t>
+            </a:r>
+            <a:endParaRPr lang="en-US" altLang="ja-JP" sz="2400" dirty="0"/>
           </a:p>
         </p:txBody>
       </p:sp>
@@ -7228,7 +7288,7 @@
         <p:spPr/>
         <p:txBody>
           <a:bodyPr>
-            <a:normAutofit/>
+            <a:normAutofit lnSpcReduction="10000"/>
           </a:bodyPr>
           <a:lstStyle/>
           <a:p>
@@ -7282,6 +7342,31 @@
               <a:t>階のホールド？</a:t>
             </a:r>
             <a:endParaRPr kumimoji="1" lang="en-US" altLang="ja-JP" sz="2400" dirty="0"/>
+          </a:p>
+          <a:p>
+            <a:pPr lvl="1"/>
+            <a:endParaRPr lang="en-US" altLang="ja-JP" sz="2400" dirty="0"/>
+          </a:p>
+          <a:p>
+            <a:r>
+              <a:rPr kumimoji="1" lang="ja-JP" altLang="en-US" sz="2600"/>
+              <a:t>これも割と絶対に守るべき項目</a:t>
+            </a:r>
+            <a:endParaRPr kumimoji="1" lang="en-US" altLang="ja-JP" sz="2600" dirty="0"/>
+          </a:p>
+          <a:p>
+            <a:r>
+              <a:rPr lang="ja-JP" altLang="en-US" sz="2600"/>
+              <a:t>スカスカのブッキングならあまり気にしない</a:t>
+            </a:r>
+            <a:endParaRPr lang="en-US" altLang="ja-JP" sz="2600" dirty="0"/>
+          </a:p>
+          <a:p>
+            <a:r>
+              <a:rPr kumimoji="1" lang="ja-JP" altLang="en-US" sz="2600"/>
+              <a:t>背の低いデッキにできたほうがまだまし</a:t>
+            </a:r>
+            <a:endParaRPr kumimoji="1" lang="en-US" altLang="ja-JP" sz="2600" dirty="0"/>
           </a:p>
         </p:txBody>
       </p:sp>
@@ -7362,7 +7447,7 @@
         <p:spPr/>
         <p:txBody>
           <a:bodyPr>
-            <a:normAutofit/>
+            <a:normAutofit fontScale="92500" lnSpcReduction="10000"/>
           </a:bodyPr>
           <a:lstStyle/>
           <a:p>
@@ -7422,6 +7507,187 @@
               </a:rPr>
               <a:t>残スペースを入口に寄せる</a:t>
             </a:r>
+            <a:endParaRPr lang="en-US" altLang="ja-JP" sz="2400" dirty="0">
+              <a:solidFill>
+                <a:srgbClr val="FF0000"/>
+              </a:solidFill>
+            </a:endParaRPr>
+          </a:p>
+          <a:p>
+            <a:pPr>
+              <a:buFont typeface="+mj-lt"/>
+              <a:buAutoNum type="arabicPeriod"/>
+            </a:pPr>
+            <a:endParaRPr lang="en-US" altLang="ja-JP" sz="2400" dirty="0">
+              <a:solidFill>
+                <a:srgbClr val="FF0000"/>
+              </a:solidFill>
+            </a:endParaRPr>
+          </a:p>
+          <a:p>
+            <a:pPr>
+              <a:buFontTx/>
+              <a:buChar char="-"/>
+            </a:pPr>
+            <a:r>
+              <a:rPr lang="en-US" altLang="ja-JP" sz="2400" dirty="0">
+                <a:solidFill>
+                  <a:schemeClr val="tx1"/>
+                </a:solidFill>
+              </a:rPr>
+              <a:t>2</a:t>
+            </a:r>
+            <a:r>
+              <a:rPr lang="ja-JP" altLang="en-US" sz="2400">
+                <a:solidFill>
+                  <a:schemeClr val="tx1"/>
+                </a:solidFill>
+              </a:rPr>
+              <a:t>と</a:t>
+            </a:r>
+            <a:r>
+              <a:rPr lang="en-US" altLang="ja-JP" sz="2400" dirty="0">
+                <a:solidFill>
+                  <a:schemeClr val="tx1"/>
+                </a:solidFill>
+              </a:rPr>
+              <a:t>4</a:t>
+            </a:r>
+            <a:r>
+              <a:rPr lang="ja-JP" altLang="en-US" sz="2400">
+                <a:solidFill>
+                  <a:schemeClr val="tx1"/>
+                </a:solidFill>
+              </a:rPr>
+              <a:t>が最重要 次に</a:t>
+            </a:r>
+            <a:r>
+              <a:rPr lang="en-US" altLang="ja-JP" sz="2400" dirty="0">
+                <a:solidFill>
+                  <a:schemeClr val="tx1"/>
+                </a:solidFill>
+              </a:rPr>
+              <a:t>3 1,5</a:t>
+            </a:r>
+          </a:p>
+          <a:p>
+            <a:pPr>
+              <a:buFontTx/>
+              <a:buChar char="-"/>
+            </a:pPr>
+            <a:r>
+              <a:rPr lang="en-US" altLang="ja-JP" sz="2400" dirty="0">
+                <a:solidFill>
+                  <a:schemeClr val="tx1"/>
+                </a:solidFill>
+              </a:rPr>
+              <a:t>4</a:t>
+            </a:r>
+            <a:r>
+              <a:rPr lang="ja-JP" altLang="en-US" sz="2400">
+                <a:solidFill>
+                  <a:schemeClr val="tx1"/>
+                </a:solidFill>
+              </a:rPr>
+              <a:t>はマスト </a:t>
+            </a:r>
+            <a:r>
+              <a:rPr lang="en-US" altLang="ja-JP" sz="2400" dirty="0">
+                <a:solidFill>
+                  <a:schemeClr val="tx1"/>
+                </a:solidFill>
+              </a:rPr>
+              <a:t>5</a:t>
+            </a:r>
+            <a:r>
+              <a:rPr lang="ja-JP" altLang="en-US" sz="2400">
+                <a:solidFill>
+                  <a:schemeClr val="tx1"/>
+                </a:solidFill>
+              </a:rPr>
+              <a:t>は付随するもの </a:t>
+            </a:r>
+            <a:r>
+              <a:rPr lang="en-US" altLang="ja-JP" sz="2400" dirty="0">
+                <a:solidFill>
+                  <a:schemeClr val="tx1"/>
+                </a:solidFill>
+              </a:rPr>
+              <a:t>2</a:t>
+            </a:r>
+          </a:p>
+          <a:p>
+            <a:pPr>
+              <a:buFontTx/>
+              <a:buChar char="-"/>
+            </a:pPr>
+            <a:r>
+              <a:rPr lang="en-US" altLang="ja-JP" sz="2400" dirty="0">
+                <a:solidFill>
+                  <a:schemeClr val="tx1"/>
+                </a:solidFill>
+              </a:rPr>
+              <a:t>(3</a:t>
+            </a:r>
+            <a:r>
+              <a:rPr lang="ja-JP" altLang="en-US" sz="2400">
+                <a:solidFill>
+                  <a:schemeClr val="tx1"/>
+                </a:solidFill>
+              </a:rPr>
+              <a:t>が</a:t>
+            </a:r>
+            <a:r>
+              <a:rPr lang="en-US" altLang="ja-JP" sz="2400" dirty="0">
+                <a:solidFill>
+                  <a:schemeClr val="tx1"/>
+                </a:solidFill>
+              </a:rPr>
+              <a:t>50%</a:t>
+            </a:r>
+            <a:r>
+              <a:rPr lang="ja-JP" altLang="en-US" sz="2400">
+                <a:solidFill>
+                  <a:schemeClr val="tx1"/>
+                </a:solidFill>
+              </a:rPr>
+              <a:t>以上だと重要になる </a:t>
+            </a:r>
+            <a:r>
+              <a:rPr lang="en-US" altLang="ja-JP" sz="2400" dirty="0">
+                <a:solidFill>
+                  <a:schemeClr val="tx1"/>
+                </a:solidFill>
+              </a:rPr>
+              <a:t>30%</a:t>
+            </a:r>
+            <a:r>
+              <a:rPr lang="ja-JP" altLang="en-US" sz="2400">
+                <a:solidFill>
+                  <a:schemeClr val="tx1"/>
+                </a:solidFill>
+              </a:rPr>
+              <a:t>以下だとベター</a:t>
+            </a:r>
+            <a:r>
+              <a:rPr lang="en-US" altLang="ja-JP" sz="2400" dirty="0">
+                <a:solidFill>
+                  <a:schemeClr val="tx1"/>
+                </a:solidFill>
+              </a:rPr>
+              <a:t>)</a:t>
+            </a:r>
+          </a:p>
+          <a:p>
+            <a:pPr>
+              <a:buFontTx/>
+              <a:buChar char="-"/>
+            </a:pPr>
+            <a:endParaRPr lang="ja-JP" altLang="en-US" sz="2400">
+              <a:solidFill>
+                <a:schemeClr val="tx1"/>
+              </a:solidFill>
+            </a:endParaRPr>
           </a:p>
         </p:txBody>
       </p:sp>
@@ -7780,7 +8046,7 @@
         <p:spPr/>
         <p:txBody>
           <a:bodyPr>
-            <a:normAutofit/>
+            <a:normAutofit fontScale="77500" lnSpcReduction="20000"/>
           </a:bodyPr>
           <a:lstStyle/>
           <a:p>
@@ -7863,6 +8129,48 @@
               <a:t>などはありえる？</a:t>
             </a:r>
             <a:endParaRPr lang="en-US" altLang="ja-JP" sz="2200" dirty="0"/>
+          </a:p>
+          <a:p>
+            <a:endParaRPr lang="en-US" altLang="ja-JP" sz="2400" dirty="0"/>
+          </a:p>
+          <a:p>
+            <a:r>
+              <a:rPr lang="ja-JP" altLang="en-US" sz="2400"/>
+              <a:t>分割する場合もありえる</a:t>
+            </a:r>
+            <a:endParaRPr lang="en-US" altLang="ja-JP" sz="2400" dirty="0"/>
+          </a:p>
+          <a:p>
+            <a:r>
+              <a:rPr lang="en-US" altLang="ja-JP" sz="2400" dirty="0"/>
+              <a:t>500</a:t>
+            </a:r>
+            <a:r>
+              <a:rPr lang="ja-JP" altLang="en-US" sz="2400"/>
+              <a:t>は少し大きい </a:t>
+            </a:r>
+            <a:r>
+              <a:rPr lang="en-US" altLang="ja-JP" sz="2400" dirty="0"/>
+              <a:t>(200</a:t>
+            </a:r>
+            <a:r>
+              <a:rPr lang="ja-JP" altLang="en-US" sz="2400"/>
+              <a:t>とかでもいいかも</a:t>
+            </a:r>
+            <a:r>
+              <a:rPr lang="en-US" altLang="ja-JP" sz="2400" dirty="0"/>
+              <a:t>)</a:t>
+            </a:r>
+          </a:p>
+          <a:p>
+            <a:r>
+              <a:rPr lang="ja-JP" altLang="en-US" sz="2400"/>
+              <a:t>割と柔軟でも</a:t>
+            </a:r>
+            <a:endParaRPr lang="en-US" altLang="ja-JP" sz="2400" dirty="0"/>
+          </a:p>
+          <a:p>
+            <a:endParaRPr lang="en-US" altLang="ja-JP" sz="2400" dirty="0"/>
           </a:p>
         </p:txBody>
       </p:sp>
@@ -8748,10 +9056,15 @@
             <p:ph idx="1"/>
           </p:nvPr>
         </p:nvSpPr>
-        <p:spPr/>
+        <p:spPr>
+          <a:xfrm>
+            <a:off x="677334" y="2160589"/>
+            <a:ext cx="8813030" cy="4198647"/>
+          </a:xfrm>
+        </p:spPr>
         <p:txBody>
           <a:bodyPr>
-            <a:normAutofit/>
+            <a:normAutofit fontScale="85000" lnSpcReduction="20000"/>
           </a:bodyPr>
           <a:lstStyle/>
           <a:p>
@@ -8834,6 +9147,78 @@
               <a:rPr lang="en-US" altLang="ja-JP" sz="2400" dirty="0"/>
               <a:t>…</a:t>
             </a:r>
+          </a:p>
+          <a:p>
+            <a:pPr lvl="1"/>
+            <a:endParaRPr lang="en-US" altLang="ja-JP" sz="2400" dirty="0"/>
+          </a:p>
+          <a:p>
+            <a:pPr lvl="1"/>
+            <a:r>
+              <a:rPr lang="ja-JP" altLang="en-US" sz="2400"/>
+              <a:t>オーバーストーしていなければとりあえず大丈夫</a:t>
+            </a:r>
+            <a:endParaRPr lang="en-US" altLang="ja-JP" sz="2400" dirty="0"/>
+          </a:p>
+          <a:p>
+            <a:pPr lvl="1"/>
+            <a:r>
+              <a:rPr lang="ja-JP" altLang="en-US" sz="2400"/>
+              <a:t>上げ地が少ないと固めれるはず</a:t>
+            </a:r>
+            <a:endParaRPr lang="en-US" altLang="ja-JP" sz="2400" dirty="0"/>
+          </a:p>
+          <a:p>
+            <a:pPr lvl="1"/>
+            <a:r>
+              <a:rPr lang="en-US" altLang="ja-JP" sz="2400" dirty="0"/>
+              <a:t>3</a:t>
+            </a:r>
+            <a:r>
+              <a:rPr lang="ja-JP" altLang="en-US" sz="2400"/>
+              <a:t>港あげだと，</a:t>
+            </a:r>
+            <a:r>
+              <a:rPr lang="en-US" altLang="ja-JP" sz="2400" dirty="0"/>
+              <a:t>2,3</a:t>
+            </a:r>
+            <a:r>
+              <a:rPr lang="ja-JP" altLang="en-US" sz="2400"/>
+              <a:t>個くらい</a:t>
+            </a:r>
+            <a:endParaRPr lang="en-US" altLang="ja-JP" sz="2400" dirty="0"/>
+          </a:p>
+          <a:p>
+            <a:pPr lvl="1"/>
+            <a:r>
+              <a:rPr lang="en-US" altLang="ja-JP" sz="2400" dirty="0"/>
+              <a:t>7</a:t>
+            </a:r>
+            <a:r>
+              <a:rPr lang="ja-JP" altLang="en-US" sz="2400"/>
+              <a:t>港 </a:t>
+            </a:r>
+            <a:r>
+              <a:rPr lang="en-US" altLang="ja-JP" sz="2400" dirty="0"/>
+              <a:t>1</a:t>
+            </a:r>
+            <a:r>
+              <a:rPr lang="ja-JP" altLang="en-US" sz="2400"/>
+              <a:t>つのホールドに</a:t>
+            </a:r>
+            <a:r>
+              <a:rPr lang="en-US" altLang="ja-JP" sz="2400" dirty="0"/>
+              <a:t>4</a:t>
+            </a:r>
+            <a:r>
+              <a:rPr lang="ja-JP" altLang="en-US" sz="2400"/>
+              <a:t>個くらい</a:t>
+            </a:r>
+            <a:endParaRPr lang="en-US" altLang="ja-JP" sz="2400" dirty="0"/>
+          </a:p>
+          <a:p>
+            <a:pPr lvl="1"/>
+            <a:endParaRPr lang="en-US" altLang="ja-JP" sz="2400" dirty="0"/>
           </a:p>
         </p:txBody>
       </p:sp>
